--- a/doc/DarkLight.pptx
+++ b/doc/DarkLight.pptx
@@ -5,7 +5,7 @@
     <p:sldMasterId id="2147483648" r:id="rId1"/>
   </p:sldMasterIdLst>
   <p:notesMasterIdLst>
-    <p:notesMasterId r:id="rId8"/>
+    <p:notesMasterId r:id="rId9"/>
   </p:notesMasterIdLst>
   <p:sldIdLst>
     <p:sldId id="257" r:id="rId2"/>
@@ -14,6 +14,7 @@
     <p:sldId id="260" r:id="rId5"/>
     <p:sldId id="261" r:id="rId6"/>
     <p:sldId id="262" r:id="rId7"/>
+    <p:sldId id="263" r:id="rId8"/>
   </p:sldIdLst>
   <p:sldSz cx="12192000" cy="6858000"/>
   <p:notesSz cx="6858000" cy="9144000"/>
@@ -205,7 +206,7 @@
           <a:p>
             <a:fld id="{F4A39190-FC60-4AE6-BD3C-45F98D5A23A4}" type="datetimeFigureOut">
               <a:rPr lang="ru-RU" smtClean="0"/>
-              <a:t>20.02.2023</a:t>
+              <a:t>25.04.2023</a:t>
             </a:fld>
             <a:endParaRPr lang="ru-RU"/>
           </a:p>
@@ -601,7 +602,7 @@
           <a:p>
             <a:fld id="{F2E8C196-6E57-4D01-97F3-BE49650B6996}" type="datetimeFigureOut">
               <a:rPr lang="ru-RU" smtClean="0"/>
-              <a:t>20.02.2023</a:t>
+              <a:t>25.04.2023</a:t>
             </a:fld>
             <a:endParaRPr lang="ru-RU"/>
           </a:p>
@@ -781,7 +782,7 @@
           <a:p>
             <a:fld id="{F2E8C196-6E57-4D01-97F3-BE49650B6996}" type="datetimeFigureOut">
               <a:rPr lang="ru-RU" smtClean="0"/>
-              <a:t>20.02.2023</a:t>
+              <a:t>25.04.2023</a:t>
             </a:fld>
             <a:endParaRPr lang="ru-RU"/>
           </a:p>
@@ -971,7 +972,7 @@
           <a:p>
             <a:fld id="{F2E8C196-6E57-4D01-97F3-BE49650B6996}" type="datetimeFigureOut">
               <a:rPr lang="ru-RU" smtClean="0"/>
-              <a:t>20.02.2023</a:t>
+              <a:t>25.04.2023</a:t>
             </a:fld>
             <a:endParaRPr lang="ru-RU"/>
           </a:p>
@@ -1151,7 +1152,7 @@
           <a:p>
             <a:fld id="{F2E8C196-6E57-4D01-97F3-BE49650B6996}" type="datetimeFigureOut">
               <a:rPr lang="ru-RU" smtClean="0"/>
-              <a:t>20.02.2023</a:t>
+              <a:t>25.04.2023</a:t>
             </a:fld>
             <a:endParaRPr lang="ru-RU"/>
           </a:p>
@@ -1408,7 +1409,7 @@
           <a:p>
             <a:fld id="{F2E8C196-6E57-4D01-97F3-BE49650B6996}" type="datetimeFigureOut">
               <a:rPr lang="ru-RU" smtClean="0"/>
-              <a:t>20.02.2023</a:t>
+              <a:t>25.04.2023</a:t>
             </a:fld>
             <a:endParaRPr lang="ru-RU"/>
           </a:p>
@@ -1649,7 +1650,7 @@
           <a:p>
             <a:fld id="{F2E8C196-6E57-4D01-97F3-BE49650B6996}" type="datetimeFigureOut">
               <a:rPr lang="ru-RU" smtClean="0"/>
-              <a:t>20.02.2023</a:t>
+              <a:t>25.04.2023</a:t>
             </a:fld>
             <a:endParaRPr lang="ru-RU"/>
           </a:p>
@@ -2025,7 +2026,7 @@
           <a:p>
             <a:fld id="{F2E8C196-6E57-4D01-97F3-BE49650B6996}" type="datetimeFigureOut">
               <a:rPr lang="ru-RU" smtClean="0"/>
-              <a:t>20.02.2023</a:t>
+              <a:t>25.04.2023</a:t>
             </a:fld>
             <a:endParaRPr lang="ru-RU"/>
           </a:p>
@@ -2154,7 +2155,7 @@
           <a:p>
             <a:fld id="{F2E8C196-6E57-4D01-97F3-BE49650B6996}" type="datetimeFigureOut">
               <a:rPr lang="ru-RU" smtClean="0"/>
-              <a:t>20.02.2023</a:t>
+              <a:t>25.04.2023</a:t>
             </a:fld>
             <a:endParaRPr lang="ru-RU"/>
           </a:p>
@@ -2261,7 +2262,7 @@
           <a:p>
             <a:fld id="{F2E8C196-6E57-4D01-97F3-BE49650B6996}" type="datetimeFigureOut">
               <a:rPr lang="ru-RU" smtClean="0"/>
-              <a:t>20.02.2023</a:t>
+              <a:t>25.04.2023</a:t>
             </a:fld>
             <a:endParaRPr lang="ru-RU"/>
           </a:p>
@@ -2548,7 +2549,7 @@
           <a:p>
             <a:fld id="{F2E8C196-6E57-4D01-97F3-BE49650B6996}" type="datetimeFigureOut">
               <a:rPr lang="ru-RU" smtClean="0"/>
-              <a:t>20.02.2023</a:t>
+              <a:t>25.04.2023</a:t>
             </a:fld>
             <a:endParaRPr lang="ru-RU"/>
           </a:p>
@@ -2812,7 +2813,7 @@
           <a:p>
             <a:fld id="{F2E8C196-6E57-4D01-97F3-BE49650B6996}" type="datetimeFigureOut">
               <a:rPr lang="ru-RU" smtClean="0"/>
-              <a:t>20.02.2023</a:t>
+              <a:t>25.04.2023</a:t>
             </a:fld>
             <a:endParaRPr lang="ru-RU"/>
           </a:p>
@@ -3035,7 +3036,7 @@
           <a:p>
             <a:fld id="{F2E8C196-6E57-4D01-97F3-BE49650B6996}" type="datetimeFigureOut">
               <a:rPr lang="ru-RU" smtClean="0"/>
-              <a:t>20.02.2023</a:t>
+              <a:t>25.04.2023</a:t>
             </a:fld>
             <a:endParaRPr lang="ru-RU"/>
           </a:p>
@@ -7535,6 +7536,277 @@
                                           <p:spTgt spid="5">
                                             <p:txEl>
                                               <p:pRg st="3" end="3"/>
+                                            </p:txEl>
+                                          </p:spTgt>
+                                        </p:tgtEl>
+                                      </p:cBhvr>
+                                    </p:animEffect>
+                                  </p:childTnLst>
+                                </p:cTn>
+                              </p:par>
+                            </p:childTnLst>
+                          </p:cTn>
+                        </p:par>
+                      </p:childTnLst>
+                    </p:cTn>
+                  </p:par>
+                  <p:par>
+                    <p:cTn id="31" fill="hold">
+                      <p:stCondLst>
+                        <p:cond delay="indefinite"/>
+                      </p:stCondLst>
+                      <p:childTnLst>
+                        <p:par>
+                          <p:cTn id="32" fill="hold">
+                            <p:stCondLst>
+                              <p:cond delay="0"/>
+                            </p:stCondLst>
+                            <p:childTnLst>
+                              <p:par>
+                                <p:cTn id="33" presetID="42" presetClass="path" presetSubtype="0" accel="50000" decel="50000" fill="hold" nodeType="clickEffect">
+                                  <p:stCondLst>
+                                    <p:cond delay="0"/>
+                                  </p:stCondLst>
+                                  <p:childTnLst>
+                                    <p:animMotion origin="layout" path="M -0.15938 0.00255 L -1.16458 -4.07407E-6 " pathEditMode="relative" rAng="0" ptsTypes="AA">
+                                      <p:cBhvr>
+                                        <p:cTn id="34" dur="1000" fill="hold"/>
+                                        <p:tgtEl>
+                                          <p:spTgt spid="4"/>
+                                        </p:tgtEl>
+                                        <p:attrNameLst>
+                                          <p:attrName>ppt_x</p:attrName>
+                                          <p:attrName>ppt_y</p:attrName>
+                                        </p:attrNameLst>
+                                      </p:cBhvr>
+                                      <p:rCtr x="-50260" y="-139"/>
+                                    </p:animMotion>
+                                  </p:childTnLst>
+                                </p:cTn>
+                              </p:par>
+                            </p:childTnLst>
+                          </p:cTn>
+                        </p:par>
+                      </p:childTnLst>
+                    </p:cTn>
+                  </p:par>
+                </p:childTnLst>
+              </p:cTn>
+              <p:prevCondLst>
+                <p:cond evt="onPrev" delay="0">
+                  <p:tgtEl>
+                    <p:sldTgt/>
+                  </p:tgtEl>
+                </p:cond>
+              </p:prevCondLst>
+              <p:nextCondLst>
+                <p:cond evt="onNext" delay="0">
+                  <p:tgtEl>
+                    <p:sldTgt/>
+                  </p:tgtEl>
+                </p:cond>
+              </p:nextCondLst>
+            </p:seq>
+          </p:childTnLst>
+        </p:cTn>
+      </p:par>
+    </p:tnLst>
+  </p:timing>
+</p:sld>
+</file>
+
+<file path=ppt/slides/slide7.xml><?xml version="1.0" encoding="utf-8"?>
+<p:sld xmlns:a="http://schemas.openxmlformats.org/drawingml/2006/main" xmlns:r="http://schemas.openxmlformats.org/officeDocument/2006/relationships" xmlns:p="http://schemas.openxmlformats.org/presentationml/2006/main">
+  <p:cSld>
+    <p:spTree>
+      <p:nvGrpSpPr>
+        <p:cNvPr id="1" name=""/>
+        <p:cNvGrpSpPr/>
+        <p:nvPr/>
+      </p:nvGrpSpPr>
+      <p:grpSpPr>
+        <a:xfrm>
+          <a:off x="0" y="0"/>
+          <a:ext cx="0" cy="0"/>
+          <a:chOff x="0" y="0"/>
+          <a:chExt cx="0" cy="0"/>
+        </a:xfrm>
+      </p:grpSpPr>
+      <p:pic>
+        <p:nvPicPr>
+          <p:cNvPr id="5" name="Рисунок 3">
+            <a:extLst>
+              <a:ext uri="{FF2B5EF4-FFF2-40B4-BE49-F238E27FC236}">
+                <a16:creationId xmlns:a16="http://schemas.microsoft.com/office/drawing/2014/main" id="{8311C798-D3D4-37A7-D8C9-82FA38E351E3}"/>
+              </a:ext>
+            </a:extLst>
+          </p:cNvPr>
+          <p:cNvPicPr>
+            <a:picLocks noChangeAspect="1"/>
+          </p:cNvPicPr>
+          <p:nvPr/>
+        </p:nvPicPr>
+        <p:blipFill>
+          <a:blip r:embed="rId2">
+            <a:extLst>
+              <a:ext uri="{28A0092B-C50C-407E-A947-70E740481C1C}">
+                <a14:useLocalDpi xmlns:a14="http://schemas.microsoft.com/office/drawing/2010/main" val="0"/>
+              </a:ext>
+            </a:extLst>
+          </a:blip>
+          <a:stretch>
+            <a:fillRect/>
+          </a:stretch>
+        </p:blipFill>
+        <p:spPr>
+          <a:xfrm flipH="1">
+            <a:off x="12192000" y="2100262"/>
+            <a:ext cx="1447800" cy="2657475"/>
+          </a:xfrm>
+          <a:prstGeom prst="rect">
+            <a:avLst/>
+          </a:prstGeom>
+        </p:spPr>
+      </p:pic>
+      <p:sp>
+        <p:nvSpPr>
+          <p:cNvPr id="8" name="TextBox 7">
+            <a:extLst>
+              <a:ext uri="{FF2B5EF4-FFF2-40B4-BE49-F238E27FC236}">
+                <a16:creationId xmlns:a16="http://schemas.microsoft.com/office/drawing/2014/main" id="{4D9A3D85-ECB6-AFB1-691B-75C3DAFB7EEF}"/>
+              </a:ext>
+            </a:extLst>
+          </p:cNvPr>
+          <p:cNvSpPr txBox="1"/>
+          <p:nvPr/>
+        </p:nvSpPr>
+        <p:spPr>
+          <a:xfrm>
+            <a:off x="2183546" y="2967335"/>
+            <a:ext cx="7824907" cy="923330"/>
+          </a:xfrm>
+          <a:prstGeom prst="rect">
+            <a:avLst/>
+          </a:prstGeom>
+          <a:noFill/>
+        </p:spPr>
+        <p:txBody>
+          <a:bodyPr wrap="square" rtlCol="0">
+            <a:spAutoFit/>
+          </a:bodyPr>
+          <a:lstStyle/>
+          <a:p>
+            <a:r>
+              <a:rPr lang="ru-RU" sz="5400" b="1" dirty="0">
+                <a:latin typeface="+mj-lt"/>
+              </a:rPr>
+              <a:t>Спасибо за внимание!</a:t>
+            </a:r>
+          </a:p>
+        </p:txBody>
+      </p:sp>
+    </p:spTree>
+    <p:extLst>
+      <p:ext uri="{BB962C8B-B14F-4D97-AF65-F5344CB8AC3E}">
+        <p14:creationId xmlns:p14="http://schemas.microsoft.com/office/powerpoint/2010/main" val="4106269528"/>
+      </p:ext>
+    </p:extLst>
+  </p:cSld>
+  <p:clrMapOvr>
+    <a:masterClrMapping/>
+  </p:clrMapOvr>
+  <mc:AlternateContent xmlns:mc="http://schemas.openxmlformats.org/markup-compatibility/2006" xmlns:p14="http://schemas.microsoft.com/office/powerpoint/2010/main">
+    <mc:Choice Requires="p14">
+      <p:transition spd="med" p14:dur="700">
+        <p:fade/>
+      </p:transition>
+    </mc:Choice>
+    <mc:Fallback xmlns="">
+      <p:transition spd="med">
+        <p:fade/>
+      </p:transition>
+    </mc:Fallback>
+  </mc:AlternateContent>
+  <p:timing>
+    <p:tnLst>
+      <p:par>
+        <p:cTn id="1" dur="indefinite" restart="never" nodeType="tmRoot">
+          <p:childTnLst>
+            <p:seq concurrent="1" nextAc="seek">
+              <p:cTn id="2" dur="indefinite" nodeType="mainSeq">
+                <p:childTnLst>
+                  <p:par>
+                    <p:cTn id="3" fill="hold">
+                      <p:stCondLst>
+                        <p:cond delay="indefinite"/>
+                        <p:cond evt="onBegin" delay="0">
+                          <p:tn val="2"/>
+                        </p:cond>
+                      </p:stCondLst>
+                      <p:childTnLst>
+                        <p:par>
+                          <p:cTn id="4" fill="hold">
+                            <p:stCondLst>
+                              <p:cond delay="0"/>
+                            </p:stCondLst>
+                            <p:childTnLst>
+                              <p:par>
+                                <p:cTn id="5" presetID="42" presetClass="path" presetSubtype="0" accel="50000" decel="50000" fill="hold" nodeType="afterEffect">
+                                  <p:stCondLst>
+                                    <p:cond delay="0"/>
+                                  </p:stCondLst>
+                                  <p:childTnLst>
+                                    <p:animMotion origin="layout" path="M 5E-6 0 L -0.15599 0 " pathEditMode="relative" rAng="0" ptsTypes="AA">
+                                      <p:cBhvr>
+                                        <p:cTn id="6" dur="500" fill="hold"/>
+                                        <p:tgtEl>
+                                          <p:spTgt spid="5"/>
+                                        </p:tgtEl>
+                                        <p:attrNameLst>
+                                          <p:attrName>ppt_x</p:attrName>
+                                          <p:attrName>ppt_y</p:attrName>
+                                        </p:attrNameLst>
+                                      </p:cBhvr>
+                                      <p:rCtr x="-7799" y="0"/>
+                                    </p:animMotion>
+                                  </p:childTnLst>
+                                </p:cTn>
+                              </p:par>
+                              <p:par>
+                                <p:cTn id="7" presetID="10" presetClass="entr" presetSubtype="0" fill="hold" nodeType="withEffect">
+                                  <p:stCondLst>
+                                    <p:cond delay="0"/>
+                                  </p:stCondLst>
+                                  <p:childTnLst>
+                                    <p:set>
+                                      <p:cBhvr>
+                                        <p:cTn id="8" dur="1" fill="hold">
+                                          <p:stCondLst>
+                                            <p:cond delay="0"/>
+                                          </p:stCondLst>
+                                        </p:cTn>
+                                        <p:tgtEl>
+                                          <p:spTgt spid="8">
+                                            <p:txEl>
+                                              <p:pRg st="0" end="0"/>
+                                            </p:txEl>
+                                          </p:spTgt>
+                                        </p:tgtEl>
+                                        <p:attrNameLst>
+                                          <p:attrName>style.visibility</p:attrName>
+                                        </p:attrNameLst>
+                                      </p:cBhvr>
+                                      <p:to>
+                                        <p:strVal val="visible"/>
+                                      </p:to>
+                                    </p:set>
+                                    <p:animEffect transition="in" filter="fade">
+                                      <p:cBhvr>
+                                        <p:cTn id="9" dur="500"/>
+                                        <p:tgtEl>
+                                          <p:spTgt spid="8">
+                                            <p:txEl>
+                                              <p:pRg st="0" end="0"/>
                                             </p:txEl>
                                           </p:spTgt>
                                         </p:tgtEl>

--- a/doc/DarkLight.pptx
+++ b/doc/DarkLight.pptx
@@ -206,7 +206,7 @@
           <a:p>
             <a:fld id="{F4A39190-FC60-4AE6-BD3C-45F98D5A23A4}" type="datetimeFigureOut">
               <a:rPr lang="ru-RU" smtClean="0"/>
-              <a:t>25.04.2023</a:t>
+              <a:t>26.04.2023</a:t>
             </a:fld>
             <a:endParaRPr lang="ru-RU"/>
           </a:p>
@@ -602,7 +602,7 @@
           <a:p>
             <a:fld id="{F2E8C196-6E57-4D01-97F3-BE49650B6996}" type="datetimeFigureOut">
               <a:rPr lang="ru-RU" smtClean="0"/>
-              <a:t>25.04.2023</a:t>
+              <a:t>26.04.2023</a:t>
             </a:fld>
             <a:endParaRPr lang="ru-RU"/>
           </a:p>
@@ -782,7 +782,7 @@
           <a:p>
             <a:fld id="{F2E8C196-6E57-4D01-97F3-BE49650B6996}" type="datetimeFigureOut">
               <a:rPr lang="ru-RU" smtClean="0"/>
-              <a:t>25.04.2023</a:t>
+              <a:t>26.04.2023</a:t>
             </a:fld>
             <a:endParaRPr lang="ru-RU"/>
           </a:p>
@@ -972,7 +972,7 @@
           <a:p>
             <a:fld id="{F2E8C196-6E57-4D01-97F3-BE49650B6996}" type="datetimeFigureOut">
               <a:rPr lang="ru-RU" smtClean="0"/>
-              <a:t>25.04.2023</a:t>
+              <a:t>26.04.2023</a:t>
             </a:fld>
             <a:endParaRPr lang="ru-RU"/>
           </a:p>
@@ -1152,7 +1152,7 @@
           <a:p>
             <a:fld id="{F2E8C196-6E57-4D01-97F3-BE49650B6996}" type="datetimeFigureOut">
               <a:rPr lang="ru-RU" smtClean="0"/>
-              <a:t>25.04.2023</a:t>
+              <a:t>26.04.2023</a:t>
             </a:fld>
             <a:endParaRPr lang="ru-RU"/>
           </a:p>
@@ -1409,7 +1409,7 @@
           <a:p>
             <a:fld id="{F2E8C196-6E57-4D01-97F3-BE49650B6996}" type="datetimeFigureOut">
               <a:rPr lang="ru-RU" smtClean="0"/>
-              <a:t>25.04.2023</a:t>
+              <a:t>26.04.2023</a:t>
             </a:fld>
             <a:endParaRPr lang="ru-RU"/>
           </a:p>
@@ -1650,7 +1650,7 @@
           <a:p>
             <a:fld id="{F2E8C196-6E57-4D01-97F3-BE49650B6996}" type="datetimeFigureOut">
               <a:rPr lang="ru-RU" smtClean="0"/>
-              <a:t>25.04.2023</a:t>
+              <a:t>26.04.2023</a:t>
             </a:fld>
             <a:endParaRPr lang="ru-RU"/>
           </a:p>
@@ -2026,7 +2026,7 @@
           <a:p>
             <a:fld id="{F2E8C196-6E57-4D01-97F3-BE49650B6996}" type="datetimeFigureOut">
               <a:rPr lang="ru-RU" smtClean="0"/>
-              <a:t>25.04.2023</a:t>
+              <a:t>26.04.2023</a:t>
             </a:fld>
             <a:endParaRPr lang="ru-RU"/>
           </a:p>
@@ -2155,7 +2155,7 @@
           <a:p>
             <a:fld id="{F2E8C196-6E57-4D01-97F3-BE49650B6996}" type="datetimeFigureOut">
               <a:rPr lang="ru-RU" smtClean="0"/>
-              <a:t>25.04.2023</a:t>
+              <a:t>26.04.2023</a:t>
             </a:fld>
             <a:endParaRPr lang="ru-RU"/>
           </a:p>
@@ -2262,7 +2262,7 @@
           <a:p>
             <a:fld id="{F2E8C196-6E57-4D01-97F3-BE49650B6996}" type="datetimeFigureOut">
               <a:rPr lang="ru-RU" smtClean="0"/>
-              <a:t>25.04.2023</a:t>
+              <a:t>26.04.2023</a:t>
             </a:fld>
             <a:endParaRPr lang="ru-RU"/>
           </a:p>
@@ -2549,7 +2549,7 @@
           <a:p>
             <a:fld id="{F2E8C196-6E57-4D01-97F3-BE49650B6996}" type="datetimeFigureOut">
               <a:rPr lang="ru-RU" smtClean="0"/>
-              <a:t>25.04.2023</a:t>
+              <a:t>26.04.2023</a:t>
             </a:fld>
             <a:endParaRPr lang="ru-RU"/>
           </a:p>
@@ -2813,7 +2813,7 @@
           <a:p>
             <a:fld id="{F2E8C196-6E57-4D01-97F3-BE49650B6996}" type="datetimeFigureOut">
               <a:rPr lang="ru-RU" smtClean="0"/>
-              <a:t>25.04.2023</a:t>
+              <a:t>26.04.2023</a:t>
             </a:fld>
             <a:endParaRPr lang="ru-RU"/>
           </a:p>
@@ -3036,7 +3036,7 @@
           <a:p>
             <a:fld id="{F2E8C196-6E57-4D01-97F3-BE49650B6996}" type="datetimeFigureOut">
               <a:rPr lang="ru-RU" smtClean="0"/>
-              <a:t>25.04.2023</a:t>
+              <a:t>26.04.2023</a:t>
             </a:fld>
             <a:endParaRPr lang="ru-RU"/>
           </a:p>
@@ -3476,7 +3476,7 @@
           <a:lstStyle/>
           <a:p>
             <a:r>
-              <a:rPr lang="en-US" sz="7200" b="1" dirty="0" err="1">
+              <a:rPr lang="en-US" sz="7200" b="1" dirty="0">
                 <a:latin typeface="+mj-lt"/>
               </a:rPr>
               <a:t>DarkLight</a:t>
@@ -6106,14 +6106,13 @@
               </a:ext>
             </a:extLst>
           </a:blip>
-          <a:stretch>
-            <a:fillRect/>
-          </a:stretch>
+          <a:srcRect/>
+          <a:stretch/>
         </p:blipFill>
         <p:spPr>
-          <a:xfrm>
-            <a:off x="12143316" y="2068504"/>
-            <a:ext cx="1714500" cy="2857500"/>
+          <a:xfrm flipH="1">
+            <a:off x="12315531" y="2316469"/>
+            <a:ext cx="1370071" cy="2361570"/>
           </a:xfrm>
           <a:prstGeom prst="rect">
             <a:avLst/>

--- a/doc/DarkLight.pptx
+++ b/doc/DarkLight.pptx
@@ -11,8 +11,8 @@
     <p:sldId id="257" r:id="rId2"/>
     <p:sldId id="258" r:id="rId3"/>
     <p:sldId id="259" r:id="rId4"/>
-    <p:sldId id="260" r:id="rId5"/>
-    <p:sldId id="261" r:id="rId6"/>
+    <p:sldId id="261" r:id="rId5"/>
+    <p:sldId id="260" r:id="rId6"/>
     <p:sldId id="262" r:id="rId7"/>
     <p:sldId id="263" r:id="rId8"/>
   </p:sldIdLst>
@@ -5030,815 +5030,6 @@
           <a:chExt cx="0" cy="0"/>
         </a:xfrm>
       </p:grpSpPr>
-      <p:pic>
-        <p:nvPicPr>
-          <p:cNvPr id="2" name="Рисунок 1"/>
-          <p:cNvPicPr>
-            <a:picLocks noChangeAspect="1"/>
-          </p:cNvPicPr>
-          <p:nvPr/>
-        </p:nvPicPr>
-        <p:blipFill>
-          <a:blip r:embed="rId2">
-            <a:extLst>
-              <a:ext uri="{28A0092B-C50C-407E-A947-70E740481C1C}">
-                <a14:useLocalDpi xmlns:a14="http://schemas.microsoft.com/office/drawing/2010/main" val="0"/>
-              </a:ext>
-            </a:extLst>
-          </a:blip>
-          <a:stretch>
-            <a:fillRect/>
-          </a:stretch>
-        </p:blipFill>
-        <p:spPr>
-          <a:xfrm>
-            <a:off x="-1515533" y="4123795"/>
-            <a:ext cx="1447800" cy="2657475"/>
-          </a:xfrm>
-          <a:prstGeom prst="rect">
-            <a:avLst/>
-          </a:prstGeom>
-        </p:spPr>
-      </p:pic>
-      <p:sp>
-        <p:nvSpPr>
-          <p:cNvPr id="6" name="TextBox 5"/>
-          <p:cNvSpPr txBox="1"/>
-          <p:nvPr/>
-        </p:nvSpPr>
-        <p:spPr>
-          <a:xfrm>
-            <a:off x="736599" y="406400"/>
-            <a:ext cx="7509934" cy="923330"/>
-          </a:xfrm>
-          <a:prstGeom prst="rect">
-            <a:avLst/>
-          </a:prstGeom>
-          <a:noFill/>
-        </p:spPr>
-        <p:txBody>
-          <a:bodyPr wrap="square" rtlCol="0">
-            <a:spAutoFit/>
-          </a:bodyPr>
-          <a:lstStyle/>
-          <a:p>
-            <a:r>
-              <a:rPr lang="ru-RU" sz="5400" b="1" dirty="0">
-                <a:latin typeface="+mj-lt"/>
-              </a:rPr>
-              <a:t>Структура проекта</a:t>
-            </a:r>
-          </a:p>
-        </p:txBody>
-      </p:sp>
-      <p:sp>
-        <p:nvSpPr>
-          <p:cNvPr id="7" name="TextBox 6"/>
-          <p:cNvSpPr txBox="1"/>
-          <p:nvPr/>
-        </p:nvSpPr>
-        <p:spPr>
-          <a:xfrm>
-            <a:off x="736598" y="2175933"/>
-            <a:ext cx="4445001" cy="3046988"/>
-          </a:xfrm>
-          <a:prstGeom prst="rect">
-            <a:avLst/>
-          </a:prstGeom>
-          <a:noFill/>
-        </p:spPr>
-        <p:txBody>
-          <a:bodyPr wrap="square" rtlCol="0">
-            <a:spAutoFit/>
-          </a:bodyPr>
-          <a:lstStyle/>
-          <a:p>
-            <a:pPr marL="457200" indent="-457200">
-              <a:lnSpc>
-                <a:spcPct val="200000"/>
-              </a:lnSpc>
-              <a:buFont typeface="Arial" panose="020B0604020202020204" pitchFamily="34" charset="0"/>
-              <a:buChar char="•"/>
-            </a:pPr>
-            <a:r>
-              <a:rPr lang="ru-RU" sz="3200" dirty="0">
-                <a:latin typeface="+mj-lt"/>
-              </a:rPr>
-              <a:t>Основные окна</a:t>
-            </a:r>
-          </a:p>
-          <a:p>
-            <a:pPr marL="457200" indent="-457200">
-              <a:lnSpc>
-                <a:spcPct val="200000"/>
-              </a:lnSpc>
-              <a:buFont typeface="Arial" panose="020B0604020202020204" pitchFamily="34" charset="0"/>
-              <a:buChar char="•"/>
-            </a:pPr>
-            <a:r>
-              <a:rPr lang="ru-RU" sz="3200" dirty="0">
-                <a:latin typeface="+mj-lt"/>
-              </a:rPr>
-              <a:t>Объекты игры</a:t>
-            </a:r>
-            <a:endParaRPr lang="en-US" sz="3200" dirty="0">
-              <a:latin typeface="+mj-lt"/>
-            </a:endParaRPr>
-          </a:p>
-          <a:p>
-            <a:pPr marL="457200" indent="-457200">
-              <a:lnSpc>
-                <a:spcPct val="200000"/>
-              </a:lnSpc>
-              <a:buFont typeface="Arial" panose="020B0604020202020204" pitchFamily="34" charset="0"/>
-              <a:buChar char="•"/>
-            </a:pPr>
-            <a:r>
-              <a:rPr lang="ru-RU" sz="3200" dirty="0">
-                <a:latin typeface="+mj-lt"/>
-              </a:rPr>
-              <a:t>Класс камеры</a:t>
-            </a:r>
-          </a:p>
-        </p:txBody>
-      </p:sp>
-      <p:pic>
-        <p:nvPicPr>
-          <p:cNvPr id="8" name="Рисунок 7"/>
-          <p:cNvPicPr>
-            <a:picLocks noChangeAspect="1"/>
-          </p:cNvPicPr>
-          <p:nvPr/>
-        </p:nvPicPr>
-        <p:blipFill>
-          <a:blip r:embed="rId3">
-            <a:extLst>
-              <a:ext uri="{28A0092B-C50C-407E-A947-70E740481C1C}">
-                <a14:useLocalDpi xmlns:a14="http://schemas.microsoft.com/office/drawing/2010/main" val="0"/>
-              </a:ext>
-            </a:extLst>
-          </a:blip>
-          <a:stretch>
-            <a:fillRect/>
-          </a:stretch>
-        </p:blipFill>
-        <p:spPr>
-          <a:xfrm>
-            <a:off x="6074188" y="1591733"/>
-            <a:ext cx="5906146" cy="4088870"/>
-          </a:xfrm>
-          <a:prstGeom prst="rect">
-            <a:avLst/>
-          </a:prstGeom>
-        </p:spPr>
-      </p:pic>
-      <p:pic>
-        <p:nvPicPr>
-          <p:cNvPr id="9" name="Рисунок 8"/>
-          <p:cNvPicPr>
-            <a:picLocks noChangeAspect="1"/>
-          </p:cNvPicPr>
-          <p:nvPr/>
-        </p:nvPicPr>
-        <p:blipFill>
-          <a:blip r:embed="rId2">
-            <a:extLst>
-              <a:ext uri="{28A0092B-C50C-407E-A947-70E740481C1C}">
-                <a14:useLocalDpi xmlns:a14="http://schemas.microsoft.com/office/drawing/2010/main" val="0"/>
-              </a:ext>
-            </a:extLst>
-          </a:blip>
-          <a:stretch>
-            <a:fillRect/>
-          </a:stretch>
-        </p:blipFill>
-        <p:spPr>
-          <a:xfrm rot="10800000">
-            <a:off x="10037235" y="-2525481"/>
-            <a:ext cx="1447800" cy="2657475"/>
-          </a:xfrm>
-          <a:prstGeom prst="rect">
-            <a:avLst/>
-          </a:prstGeom>
-        </p:spPr>
-      </p:pic>
-      <p:pic>
-        <p:nvPicPr>
-          <p:cNvPr id="10" name="Рисунок 9"/>
-          <p:cNvPicPr>
-            <a:picLocks noChangeAspect="1"/>
-          </p:cNvPicPr>
-          <p:nvPr/>
-        </p:nvPicPr>
-        <p:blipFill>
-          <a:blip r:embed="rId4">
-            <a:extLst>
-              <a:ext uri="{28A0092B-C50C-407E-A947-70E740481C1C}">
-                <a14:useLocalDpi xmlns:a14="http://schemas.microsoft.com/office/drawing/2010/main" val="0"/>
-              </a:ext>
-            </a:extLst>
-          </a:blip>
-          <a:stretch>
-            <a:fillRect/>
-          </a:stretch>
-        </p:blipFill>
-        <p:spPr>
-          <a:xfrm>
-            <a:off x="6055461" y="1577444"/>
-            <a:ext cx="5948688" cy="4273061"/>
-          </a:xfrm>
-          <a:prstGeom prst="rect">
-            <a:avLst/>
-          </a:prstGeom>
-        </p:spPr>
-      </p:pic>
-      <p:pic>
-        <p:nvPicPr>
-          <p:cNvPr id="11" name="Рисунок 10"/>
-          <p:cNvPicPr>
-            <a:picLocks noChangeAspect="1"/>
-          </p:cNvPicPr>
-          <p:nvPr/>
-        </p:nvPicPr>
-        <p:blipFill>
-          <a:blip r:embed="rId5">
-            <a:extLst>
-              <a:ext uri="{28A0092B-C50C-407E-A947-70E740481C1C}">
-                <a14:useLocalDpi xmlns:a14="http://schemas.microsoft.com/office/drawing/2010/main" val="0"/>
-              </a:ext>
-            </a:extLst>
-          </a:blip>
-          <a:stretch>
-            <a:fillRect/>
-          </a:stretch>
-        </p:blipFill>
-        <p:spPr>
-          <a:xfrm>
-            <a:off x="6095997" y="1640461"/>
-            <a:ext cx="5853004" cy="4133805"/>
-          </a:xfrm>
-          <a:prstGeom prst="rect">
-            <a:avLst/>
-          </a:prstGeom>
-        </p:spPr>
-      </p:pic>
-    </p:spTree>
-    <p:extLst>
-      <p:ext uri="{BB962C8B-B14F-4D97-AF65-F5344CB8AC3E}">
-        <p14:creationId xmlns:p14="http://schemas.microsoft.com/office/powerpoint/2010/main" val="3573801604"/>
-      </p:ext>
-    </p:extLst>
-  </p:cSld>
-  <p:clrMapOvr>
-    <a:masterClrMapping/>
-  </p:clrMapOvr>
-  <mc:AlternateContent xmlns:mc="http://schemas.openxmlformats.org/markup-compatibility/2006" xmlns:p14="http://schemas.microsoft.com/office/powerpoint/2010/main">
-    <mc:Choice Requires="p14">
-      <p:transition spd="med" p14:dur="700">
-        <p:fade/>
-      </p:transition>
-    </mc:Choice>
-    <mc:Fallback xmlns="">
-      <p:transition spd="med">
-        <p:fade/>
-      </p:transition>
-    </mc:Fallback>
-  </mc:AlternateContent>
-  <p:timing>
-    <p:tnLst>
-      <p:par>
-        <p:cTn id="1" dur="indefinite" restart="never" nodeType="tmRoot">
-          <p:childTnLst>
-            <p:seq concurrent="1" nextAc="seek">
-              <p:cTn id="2" dur="indefinite" nodeType="mainSeq">
-                <p:childTnLst>
-                  <p:par>
-                    <p:cTn id="3" fill="hold">
-                      <p:stCondLst>
-                        <p:cond delay="indefinite"/>
-                        <p:cond evt="onBegin" delay="0">
-                          <p:tn val="2"/>
-                        </p:cond>
-                      </p:stCondLst>
-                      <p:childTnLst>
-                        <p:par>
-                          <p:cTn id="4" fill="hold">
-                            <p:stCondLst>
-                              <p:cond delay="0"/>
-                            </p:stCondLst>
-                            <p:childTnLst>
-                              <p:par>
-                                <p:cTn id="5" presetID="42" presetClass="path" presetSubtype="0" accel="50000" decel="50000" fill="hold" nodeType="afterEffect">
-                                  <p:stCondLst>
-                                    <p:cond delay="0"/>
-                                  </p:stCondLst>
-                                  <p:childTnLst>
-                                    <p:animMotion origin="layout" path="M 3.95833E-6 1.11111E-6 L 0.13932 -0.01482 " pathEditMode="relative" rAng="0" ptsTypes="AA">
-                                      <p:cBhvr>
-                                        <p:cTn id="6" dur="500" fill="hold"/>
-                                        <p:tgtEl>
-                                          <p:spTgt spid="2"/>
-                                        </p:tgtEl>
-                                        <p:attrNameLst>
-                                          <p:attrName>ppt_x</p:attrName>
-                                          <p:attrName>ppt_y</p:attrName>
-                                        </p:attrNameLst>
-                                      </p:cBhvr>
-                                      <p:rCtr x="6966" y="-741"/>
-                                    </p:animMotion>
-                                  </p:childTnLst>
-                                </p:cTn>
-                              </p:par>
-                            </p:childTnLst>
-                          </p:cTn>
-                        </p:par>
-                      </p:childTnLst>
-                    </p:cTn>
-                  </p:par>
-                  <p:par>
-                    <p:cTn id="7" fill="hold">
-                      <p:stCondLst>
-                        <p:cond delay="indefinite"/>
-                      </p:stCondLst>
-                      <p:childTnLst>
-                        <p:par>
-                          <p:cTn id="8" fill="hold">
-                            <p:stCondLst>
-                              <p:cond delay="0"/>
-                            </p:stCondLst>
-                            <p:childTnLst>
-                              <p:par>
-                                <p:cTn id="9" presetID="10" presetClass="entr" presetSubtype="0" fill="hold" nodeType="clickEffect">
-                                  <p:stCondLst>
-                                    <p:cond delay="0"/>
-                                  </p:stCondLst>
-                                  <p:childTnLst>
-                                    <p:set>
-                                      <p:cBhvr>
-                                        <p:cTn id="10" dur="1" fill="hold">
-                                          <p:stCondLst>
-                                            <p:cond delay="0"/>
-                                          </p:stCondLst>
-                                        </p:cTn>
-                                        <p:tgtEl>
-                                          <p:spTgt spid="6">
-                                            <p:txEl>
-                                              <p:pRg st="0" end="0"/>
-                                            </p:txEl>
-                                          </p:spTgt>
-                                        </p:tgtEl>
-                                        <p:attrNameLst>
-                                          <p:attrName>style.visibility</p:attrName>
-                                        </p:attrNameLst>
-                                      </p:cBhvr>
-                                      <p:to>
-                                        <p:strVal val="visible"/>
-                                      </p:to>
-                                    </p:set>
-                                    <p:animEffect transition="in" filter="fade">
-                                      <p:cBhvr>
-                                        <p:cTn id="11" dur="500"/>
-                                        <p:tgtEl>
-                                          <p:spTgt spid="6">
-                                            <p:txEl>
-                                              <p:pRg st="0" end="0"/>
-                                            </p:txEl>
-                                          </p:spTgt>
-                                        </p:tgtEl>
-                                      </p:cBhvr>
-                                    </p:animEffect>
-                                  </p:childTnLst>
-                                </p:cTn>
-                              </p:par>
-                            </p:childTnLst>
-                          </p:cTn>
-                        </p:par>
-                      </p:childTnLst>
-                    </p:cTn>
-                  </p:par>
-                  <p:par>
-                    <p:cTn id="12" fill="hold">
-                      <p:stCondLst>
-                        <p:cond delay="indefinite"/>
-                      </p:stCondLst>
-                      <p:childTnLst>
-                        <p:par>
-                          <p:cTn id="13" fill="hold">
-                            <p:stCondLst>
-                              <p:cond delay="0"/>
-                            </p:stCondLst>
-                            <p:childTnLst>
-                              <p:par>
-                                <p:cTn id="14" presetID="10" presetClass="entr" presetSubtype="0" fill="hold" nodeType="clickEffect">
-                                  <p:stCondLst>
-                                    <p:cond delay="0"/>
-                                  </p:stCondLst>
-                                  <p:childTnLst>
-                                    <p:set>
-                                      <p:cBhvr>
-                                        <p:cTn id="15" dur="1" fill="hold">
-                                          <p:stCondLst>
-                                            <p:cond delay="0"/>
-                                          </p:stCondLst>
-                                        </p:cTn>
-                                        <p:tgtEl>
-                                          <p:spTgt spid="7">
-                                            <p:txEl>
-                                              <p:pRg st="0" end="0"/>
-                                            </p:txEl>
-                                          </p:spTgt>
-                                        </p:tgtEl>
-                                        <p:attrNameLst>
-                                          <p:attrName>style.visibility</p:attrName>
-                                        </p:attrNameLst>
-                                      </p:cBhvr>
-                                      <p:to>
-                                        <p:strVal val="visible"/>
-                                      </p:to>
-                                    </p:set>
-                                    <p:animEffect transition="in" filter="fade">
-                                      <p:cBhvr>
-                                        <p:cTn id="16" dur="500"/>
-                                        <p:tgtEl>
-                                          <p:spTgt spid="7">
-                                            <p:txEl>
-                                              <p:pRg st="0" end="0"/>
-                                            </p:txEl>
-                                          </p:spTgt>
-                                        </p:tgtEl>
-                                      </p:cBhvr>
-                                    </p:animEffect>
-                                  </p:childTnLst>
-                                </p:cTn>
-                              </p:par>
-                              <p:par>
-                                <p:cTn id="17" presetID="10" presetClass="entr" presetSubtype="0" fill="hold" nodeType="withEffect">
-                                  <p:stCondLst>
-                                    <p:cond delay="0"/>
-                                  </p:stCondLst>
-                                  <p:childTnLst>
-                                    <p:set>
-                                      <p:cBhvr>
-                                        <p:cTn id="18" dur="1" fill="hold">
-                                          <p:stCondLst>
-                                            <p:cond delay="0"/>
-                                          </p:stCondLst>
-                                        </p:cTn>
-                                        <p:tgtEl>
-                                          <p:spTgt spid="8"/>
-                                        </p:tgtEl>
-                                        <p:attrNameLst>
-                                          <p:attrName>style.visibility</p:attrName>
-                                        </p:attrNameLst>
-                                      </p:cBhvr>
-                                      <p:to>
-                                        <p:strVal val="visible"/>
-                                      </p:to>
-                                    </p:set>
-                                    <p:animEffect transition="in" filter="fade">
-                                      <p:cBhvr>
-                                        <p:cTn id="19" dur="500"/>
-                                        <p:tgtEl>
-                                          <p:spTgt spid="8"/>
-                                        </p:tgtEl>
-                                      </p:cBhvr>
-                                    </p:animEffect>
-                                  </p:childTnLst>
-                                </p:cTn>
-                              </p:par>
-                            </p:childTnLst>
-                          </p:cTn>
-                        </p:par>
-                      </p:childTnLst>
-                    </p:cTn>
-                  </p:par>
-                  <p:par>
-                    <p:cTn id="20" fill="hold">
-                      <p:stCondLst>
-                        <p:cond delay="indefinite"/>
-                      </p:stCondLst>
-                      <p:childTnLst>
-                        <p:par>
-                          <p:cTn id="21" fill="hold">
-                            <p:stCondLst>
-                              <p:cond delay="0"/>
-                            </p:stCondLst>
-                            <p:childTnLst>
-                              <p:par>
-                                <p:cTn id="22" presetID="42" presetClass="path" presetSubtype="0" accel="50000" decel="50000" fill="hold" nodeType="clickEffect">
-                                  <p:stCondLst>
-                                    <p:cond delay="0"/>
-                                  </p:stCondLst>
-                                  <p:childTnLst>
-                                    <p:animMotion origin="layout" path="M 0.13932 -0.01482 L 1.1289 -0.00509 " pathEditMode="relative" rAng="0" ptsTypes="AA">
-                                      <p:cBhvr>
-                                        <p:cTn id="23" dur="900" fill="hold"/>
-                                        <p:tgtEl>
-                                          <p:spTgt spid="2"/>
-                                        </p:tgtEl>
-                                        <p:attrNameLst>
-                                          <p:attrName>ppt_x</p:attrName>
-                                          <p:attrName>ppt_y</p:attrName>
-                                        </p:attrNameLst>
-                                      </p:cBhvr>
-                                      <p:rCtr x="49479" y="486"/>
-                                    </p:animMotion>
-                                  </p:childTnLst>
-                                </p:cTn>
-                              </p:par>
-                            </p:childTnLst>
-                          </p:cTn>
-                        </p:par>
-                        <p:par>
-                          <p:cTn id="24" fill="hold">
-                            <p:stCondLst>
-                              <p:cond delay="900"/>
-                            </p:stCondLst>
-                            <p:childTnLst>
-                              <p:par>
-                                <p:cTn id="25" presetID="10" presetClass="entr" presetSubtype="0" fill="hold" nodeType="afterEffect">
-                                  <p:stCondLst>
-                                    <p:cond delay="0"/>
-                                  </p:stCondLst>
-                                  <p:childTnLst>
-                                    <p:set>
-                                      <p:cBhvr>
-                                        <p:cTn id="26" dur="1" fill="hold">
-                                          <p:stCondLst>
-                                            <p:cond delay="0"/>
-                                          </p:stCondLst>
-                                        </p:cTn>
-                                        <p:tgtEl>
-                                          <p:spTgt spid="7">
-                                            <p:txEl>
-                                              <p:pRg st="1" end="1"/>
-                                            </p:txEl>
-                                          </p:spTgt>
-                                        </p:tgtEl>
-                                        <p:attrNameLst>
-                                          <p:attrName>style.visibility</p:attrName>
-                                        </p:attrNameLst>
-                                      </p:cBhvr>
-                                      <p:to>
-                                        <p:strVal val="visible"/>
-                                      </p:to>
-                                    </p:set>
-                                    <p:animEffect transition="in" filter="fade">
-                                      <p:cBhvr>
-                                        <p:cTn id="27" dur="500"/>
-                                        <p:tgtEl>
-                                          <p:spTgt spid="7">
-                                            <p:txEl>
-                                              <p:pRg st="1" end="1"/>
-                                            </p:txEl>
-                                          </p:spTgt>
-                                        </p:tgtEl>
-                                      </p:cBhvr>
-                                    </p:animEffect>
-                                  </p:childTnLst>
-                                </p:cTn>
-                              </p:par>
-                              <p:par>
-                                <p:cTn id="28" presetID="42" presetClass="path" presetSubtype="0" accel="50000" decel="50000" fill="hold" nodeType="withEffect">
-                                  <p:stCondLst>
-                                    <p:cond delay="0"/>
-                                  </p:stCondLst>
-                                  <p:childTnLst>
-                                    <p:animMotion origin="layout" path="M -2.29167E-6 -2.96296E-6 L 0.00899 0.19375 " pathEditMode="relative" rAng="0" ptsTypes="AA">
-                                      <p:cBhvr>
-                                        <p:cTn id="29" dur="500" fill="hold"/>
-                                        <p:tgtEl>
-                                          <p:spTgt spid="9"/>
-                                        </p:tgtEl>
-                                        <p:attrNameLst>
-                                          <p:attrName>ppt_x</p:attrName>
-                                          <p:attrName>ppt_y</p:attrName>
-                                        </p:attrNameLst>
-                                      </p:cBhvr>
-                                      <p:rCtr x="443" y="9699"/>
-                                    </p:animMotion>
-                                  </p:childTnLst>
-                                </p:cTn>
-                              </p:par>
-                              <p:par>
-                                <p:cTn id="30" presetID="10" presetClass="entr" presetSubtype="0" fill="hold" nodeType="withEffect">
-                                  <p:stCondLst>
-                                    <p:cond delay="0"/>
-                                  </p:stCondLst>
-                                  <p:childTnLst>
-                                    <p:set>
-                                      <p:cBhvr>
-                                        <p:cTn id="31" dur="1" fill="hold">
-                                          <p:stCondLst>
-                                            <p:cond delay="0"/>
-                                          </p:stCondLst>
-                                        </p:cTn>
-                                        <p:tgtEl>
-                                          <p:spTgt spid="10"/>
-                                        </p:tgtEl>
-                                        <p:attrNameLst>
-                                          <p:attrName>style.visibility</p:attrName>
-                                        </p:attrNameLst>
-                                      </p:cBhvr>
-                                      <p:to>
-                                        <p:strVal val="visible"/>
-                                      </p:to>
-                                    </p:set>
-                                    <p:animEffect transition="in" filter="fade">
-                                      <p:cBhvr>
-                                        <p:cTn id="32" dur="500"/>
-                                        <p:tgtEl>
-                                          <p:spTgt spid="10"/>
-                                        </p:tgtEl>
-                                      </p:cBhvr>
-                                    </p:animEffect>
-                                  </p:childTnLst>
-                                </p:cTn>
-                              </p:par>
-                            </p:childTnLst>
-                          </p:cTn>
-                        </p:par>
-                      </p:childTnLst>
-                    </p:cTn>
-                  </p:par>
-                  <p:par>
-                    <p:cTn id="33" fill="hold">
-                      <p:stCondLst>
-                        <p:cond delay="indefinite"/>
-                      </p:stCondLst>
-                      <p:childTnLst>
-                        <p:par>
-                          <p:cTn id="34" fill="hold">
-                            <p:stCondLst>
-                              <p:cond delay="0"/>
-                            </p:stCondLst>
-                            <p:childTnLst>
-                              <p:par>
-                                <p:cTn id="35" presetID="10" presetClass="entr" presetSubtype="0" fill="hold" nodeType="clickEffect">
-                                  <p:stCondLst>
-                                    <p:cond delay="0"/>
-                                  </p:stCondLst>
-                                  <p:childTnLst>
-                                    <p:set>
-                                      <p:cBhvr>
-                                        <p:cTn id="36" dur="1" fill="hold">
-                                          <p:stCondLst>
-                                            <p:cond delay="0"/>
-                                          </p:stCondLst>
-                                        </p:cTn>
-                                        <p:tgtEl>
-                                          <p:spTgt spid="7">
-                                            <p:txEl>
-                                              <p:pRg st="2" end="2"/>
-                                            </p:txEl>
-                                          </p:spTgt>
-                                        </p:tgtEl>
-                                        <p:attrNameLst>
-                                          <p:attrName>style.visibility</p:attrName>
-                                        </p:attrNameLst>
-                                      </p:cBhvr>
-                                      <p:to>
-                                        <p:strVal val="visible"/>
-                                      </p:to>
-                                    </p:set>
-                                    <p:animEffect transition="in" filter="fade">
-                                      <p:cBhvr>
-                                        <p:cTn id="37" dur="500"/>
-                                        <p:tgtEl>
-                                          <p:spTgt spid="7">
-                                            <p:txEl>
-                                              <p:pRg st="2" end="2"/>
-                                            </p:txEl>
-                                          </p:spTgt>
-                                        </p:tgtEl>
-                                      </p:cBhvr>
-                                    </p:animEffect>
-                                  </p:childTnLst>
-                                </p:cTn>
-                              </p:par>
-                              <p:par>
-                                <p:cTn id="38" presetID="10" presetClass="entr" presetSubtype="0" fill="hold" nodeType="withEffect">
-                                  <p:stCondLst>
-                                    <p:cond delay="0"/>
-                                  </p:stCondLst>
-                                  <p:childTnLst>
-                                    <p:set>
-                                      <p:cBhvr>
-                                        <p:cTn id="39" dur="1" fill="hold">
-                                          <p:stCondLst>
-                                            <p:cond delay="0"/>
-                                          </p:stCondLst>
-                                        </p:cTn>
-                                        <p:tgtEl>
-                                          <p:spTgt spid="11"/>
-                                        </p:tgtEl>
-                                        <p:attrNameLst>
-                                          <p:attrName>style.visibility</p:attrName>
-                                        </p:attrNameLst>
-                                      </p:cBhvr>
-                                      <p:to>
-                                        <p:strVal val="visible"/>
-                                      </p:to>
-                                    </p:set>
-                                    <p:animEffect transition="in" filter="fade">
-                                      <p:cBhvr>
-                                        <p:cTn id="40" dur="500"/>
-                                        <p:tgtEl>
-                                          <p:spTgt spid="11"/>
-                                        </p:tgtEl>
-                                      </p:cBhvr>
-                                    </p:animEffect>
-                                  </p:childTnLst>
-                                </p:cTn>
-                              </p:par>
-                            </p:childTnLst>
-                          </p:cTn>
-                        </p:par>
-                      </p:childTnLst>
-                    </p:cTn>
-                  </p:par>
-                  <p:par>
-                    <p:cTn id="41" fill="hold">
-                      <p:stCondLst>
-                        <p:cond delay="indefinite"/>
-                      </p:stCondLst>
-                      <p:childTnLst>
-                        <p:par>
-                          <p:cTn id="42" fill="hold">
-                            <p:stCondLst>
-                              <p:cond delay="0"/>
-                            </p:stCondLst>
-                            <p:childTnLst>
-                              <p:par>
-                                <p:cTn id="43" presetID="42" presetClass="path" presetSubtype="0" accel="50000" decel="50000" fill="hold" nodeType="clickEffect">
-                                  <p:stCondLst>
-                                    <p:cond delay="0"/>
-                                  </p:stCondLst>
-                                  <p:childTnLst>
-                                    <p:animMotion origin="layout" path="M 0.00899 0.19375 L 1.47451E-16 4.07407E-6 " pathEditMode="relative" rAng="0" ptsTypes="AA">
-                                      <p:cBhvr>
-                                        <p:cTn id="44" dur="500" fill="hold"/>
-                                        <p:tgtEl>
-                                          <p:spTgt spid="9"/>
-                                        </p:tgtEl>
-                                        <p:attrNameLst>
-                                          <p:attrName>ppt_x</p:attrName>
-                                          <p:attrName>ppt_y</p:attrName>
-                                        </p:attrNameLst>
-                                      </p:cBhvr>
-                                      <p:rCtr x="104" y="-9977"/>
-                                    </p:animMotion>
-                                  </p:childTnLst>
-                                </p:cTn>
-                              </p:par>
-                            </p:childTnLst>
-                          </p:cTn>
-                        </p:par>
-                      </p:childTnLst>
-                    </p:cTn>
-                  </p:par>
-                </p:childTnLst>
-              </p:cTn>
-              <p:prevCondLst>
-                <p:cond evt="onPrev" delay="0">
-                  <p:tgtEl>
-                    <p:sldTgt/>
-                  </p:tgtEl>
-                </p:cond>
-              </p:prevCondLst>
-              <p:nextCondLst>
-                <p:cond evt="onNext" delay="0">
-                  <p:tgtEl>
-                    <p:sldTgt/>
-                  </p:tgtEl>
-                </p:cond>
-              </p:nextCondLst>
-            </p:seq>
-          </p:childTnLst>
-        </p:cTn>
-      </p:par>
-    </p:tnLst>
-  </p:timing>
-</p:sld>
-</file>
-
-<file path=ppt/slides/slide5.xml><?xml version="1.0" encoding="utf-8"?>
-<p:sld xmlns:a="http://schemas.openxmlformats.org/drawingml/2006/main" xmlns:r="http://schemas.openxmlformats.org/officeDocument/2006/relationships" xmlns:p="http://schemas.openxmlformats.org/presentationml/2006/main">
-  <p:cSld>
-    <p:spTree>
-      <p:nvGrpSpPr>
-        <p:cNvPr id="1" name=""/>
-        <p:cNvGrpSpPr/>
-        <p:nvPr/>
-      </p:nvGrpSpPr>
-      <p:grpSpPr>
-        <a:xfrm>
-          <a:off x="0" y="0"/>
-          <a:ext cx="0" cy="0"/>
-          <a:chOff x="0" y="0"/>
-          <a:chExt cx="0" cy="0"/>
-        </a:xfrm>
-      </p:grpSpPr>
       <p:sp>
         <p:nvSpPr>
           <p:cNvPr id="4" name="TextBox 3"/>
@@ -6973,6 +6164,815 @@
                                         <p:strVal val="hidden"/>
                                       </p:to>
                                     </p:set>
+                                  </p:childTnLst>
+                                </p:cTn>
+                              </p:par>
+                            </p:childTnLst>
+                          </p:cTn>
+                        </p:par>
+                      </p:childTnLst>
+                    </p:cTn>
+                  </p:par>
+                </p:childTnLst>
+              </p:cTn>
+              <p:prevCondLst>
+                <p:cond evt="onPrev" delay="0">
+                  <p:tgtEl>
+                    <p:sldTgt/>
+                  </p:tgtEl>
+                </p:cond>
+              </p:prevCondLst>
+              <p:nextCondLst>
+                <p:cond evt="onNext" delay="0">
+                  <p:tgtEl>
+                    <p:sldTgt/>
+                  </p:tgtEl>
+                </p:cond>
+              </p:nextCondLst>
+            </p:seq>
+          </p:childTnLst>
+        </p:cTn>
+      </p:par>
+    </p:tnLst>
+  </p:timing>
+</p:sld>
+</file>
+
+<file path=ppt/slides/slide5.xml><?xml version="1.0" encoding="utf-8"?>
+<p:sld xmlns:a="http://schemas.openxmlformats.org/drawingml/2006/main" xmlns:r="http://schemas.openxmlformats.org/officeDocument/2006/relationships" xmlns:p="http://schemas.openxmlformats.org/presentationml/2006/main">
+  <p:cSld>
+    <p:spTree>
+      <p:nvGrpSpPr>
+        <p:cNvPr id="1" name=""/>
+        <p:cNvGrpSpPr/>
+        <p:nvPr/>
+      </p:nvGrpSpPr>
+      <p:grpSpPr>
+        <a:xfrm>
+          <a:off x="0" y="0"/>
+          <a:ext cx="0" cy="0"/>
+          <a:chOff x="0" y="0"/>
+          <a:chExt cx="0" cy="0"/>
+        </a:xfrm>
+      </p:grpSpPr>
+      <p:pic>
+        <p:nvPicPr>
+          <p:cNvPr id="2" name="Рисунок 1"/>
+          <p:cNvPicPr>
+            <a:picLocks noChangeAspect="1"/>
+          </p:cNvPicPr>
+          <p:nvPr/>
+        </p:nvPicPr>
+        <p:blipFill>
+          <a:blip r:embed="rId2">
+            <a:extLst>
+              <a:ext uri="{28A0092B-C50C-407E-A947-70E740481C1C}">
+                <a14:useLocalDpi xmlns:a14="http://schemas.microsoft.com/office/drawing/2010/main" val="0"/>
+              </a:ext>
+            </a:extLst>
+          </a:blip>
+          <a:stretch>
+            <a:fillRect/>
+          </a:stretch>
+        </p:blipFill>
+        <p:spPr>
+          <a:xfrm>
+            <a:off x="-1515533" y="4123795"/>
+            <a:ext cx="1447800" cy="2657475"/>
+          </a:xfrm>
+          <a:prstGeom prst="rect">
+            <a:avLst/>
+          </a:prstGeom>
+        </p:spPr>
+      </p:pic>
+      <p:sp>
+        <p:nvSpPr>
+          <p:cNvPr id="6" name="TextBox 5"/>
+          <p:cNvSpPr txBox="1"/>
+          <p:nvPr/>
+        </p:nvSpPr>
+        <p:spPr>
+          <a:xfrm>
+            <a:off x="736599" y="406400"/>
+            <a:ext cx="7509934" cy="923330"/>
+          </a:xfrm>
+          <a:prstGeom prst="rect">
+            <a:avLst/>
+          </a:prstGeom>
+          <a:noFill/>
+        </p:spPr>
+        <p:txBody>
+          <a:bodyPr wrap="square" rtlCol="0">
+            <a:spAutoFit/>
+          </a:bodyPr>
+          <a:lstStyle/>
+          <a:p>
+            <a:r>
+              <a:rPr lang="ru-RU" sz="5400" b="1" dirty="0">
+                <a:latin typeface="+mj-lt"/>
+              </a:rPr>
+              <a:t>Структура проекта</a:t>
+            </a:r>
+          </a:p>
+        </p:txBody>
+      </p:sp>
+      <p:sp>
+        <p:nvSpPr>
+          <p:cNvPr id="7" name="TextBox 6"/>
+          <p:cNvSpPr txBox="1"/>
+          <p:nvPr/>
+        </p:nvSpPr>
+        <p:spPr>
+          <a:xfrm>
+            <a:off x="736598" y="2175933"/>
+            <a:ext cx="4445001" cy="3046988"/>
+          </a:xfrm>
+          <a:prstGeom prst="rect">
+            <a:avLst/>
+          </a:prstGeom>
+          <a:noFill/>
+        </p:spPr>
+        <p:txBody>
+          <a:bodyPr wrap="square" rtlCol="0">
+            <a:spAutoFit/>
+          </a:bodyPr>
+          <a:lstStyle/>
+          <a:p>
+            <a:pPr marL="457200" indent="-457200">
+              <a:lnSpc>
+                <a:spcPct val="200000"/>
+              </a:lnSpc>
+              <a:buFont typeface="Arial" panose="020B0604020202020204" pitchFamily="34" charset="0"/>
+              <a:buChar char="•"/>
+            </a:pPr>
+            <a:r>
+              <a:rPr lang="ru-RU" sz="3200" dirty="0">
+                <a:latin typeface="+mj-lt"/>
+              </a:rPr>
+              <a:t>Основные окна</a:t>
+            </a:r>
+          </a:p>
+          <a:p>
+            <a:pPr marL="457200" indent="-457200">
+              <a:lnSpc>
+                <a:spcPct val="200000"/>
+              </a:lnSpc>
+              <a:buFont typeface="Arial" panose="020B0604020202020204" pitchFamily="34" charset="0"/>
+              <a:buChar char="•"/>
+            </a:pPr>
+            <a:r>
+              <a:rPr lang="ru-RU" sz="3200" dirty="0">
+                <a:latin typeface="+mj-lt"/>
+              </a:rPr>
+              <a:t>Объекты игры</a:t>
+            </a:r>
+            <a:endParaRPr lang="en-US" sz="3200" dirty="0">
+              <a:latin typeface="+mj-lt"/>
+            </a:endParaRPr>
+          </a:p>
+          <a:p>
+            <a:pPr marL="457200" indent="-457200">
+              <a:lnSpc>
+                <a:spcPct val="200000"/>
+              </a:lnSpc>
+              <a:buFont typeface="Arial" panose="020B0604020202020204" pitchFamily="34" charset="0"/>
+              <a:buChar char="•"/>
+            </a:pPr>
+            <a:r>
+              <a:rPr lang="ru-RU" sz="3200" dirty="0">
+                <a:latin typeface="+mj-lt"/>
+              </a:rPr>
+              <a:t>Класс камеры</a:t>
+            </a:r>
+          </a:p>
+        </p:txBody>
+      </p:sp>
+      <p:pic>
+        <p:nvPicPr>
+          <p:cNvPr id="8" name="Рисунок 7"/>
+          <p:cNvPicPr>
+            <a:picLocks noChangeAspect="1"/>
+          </p:cNvPicPr>
+          <p:nvPr/>
+        </p:nvPicPr>
+        <p:blipFill>
+          <a:blip r:embed="rId3">
+            <a:extLst>
+              <a:ext uri="{28A0092B-C50C-407E-A947-70E740481C1C}">
+                <a14:useLocalDpi xmlns:a14="http://schemas.microsoft.com/office/drawing/2010/main" val="0"/>
+              </a:ext>
+            </a:extLst>
+          </a:blip>
+          <a:stretch>
+            <a:fillRect/>
+          </a:stretch>
+        </p:blipFill>
+        <p:spPr>
+          <a:xfrm>
+            <a:off x="6074188" y="1591733"/>
+            <a:ext cx="5906146" cy="4088870"/>
+          </a:xfrm>
+          <a:prstGeom prst="rect">
+            <a:avLst/>
+          </a:prstGeom>
+        </p:spPr>
+      </p:pic>
+      <p:pic>
+        <p:nvPicPr>
+          <p:cNvPr id="9" name="Рисунок 8"/>
+          <p:cNvPicPr>
+            <a:picLocks noChangeAspect="1"/>
+          </p:cNvPicPr>
+          <p:nvPr/>
+        </p:nvPicPr>
+        <p:blipFill>
+          <a:blip r:embed="rId2">
+            <a:extLst>
+              <a:ext uri="{28A0092B-C50C-407E-A947-70E740481C1C}">
+                <a14:useLocalDpi xmlns:a14="http://schemas.microsoft.com/office/drawing/2010/main" val="0"/>
+              </a:ext>
+            </a:extLst>
+          </a:blip>
+          <a:stretch>
+            <a:fillRect/>
+          </a:stretch>
+        </p:blipFill>
+        <p:spPr>
+          <a:xfrm rot="10800000">
+            <a:off x="10037235" y="-2525481"/>
+            <a:ext cx="1447800" cy="2657475"/>
+          </a:xfrm>
+          <a:prstGeom prst="rect">
+            <a:avLst/>
+          </a:prstGeom>
+        </p:spPr>
+      </p:pic>
+      <p:pic>
+        <p:nvPicPr>
+          <p:cNvPr id="10" name="Рисунок 9"/>
+          <p:cNvPicPr>
+            <a:picLocks noChangeAspect="1"/>
+          </p:cNvPicPr>
+          <p:nvPr/>
+        </p:nvPicPr>
+        <p:blipFill>
+          <a:blip r:embed="rId4">
+            <a:extLst>
+              <a:ext uri="{28A0092B-C50C-407E-A947-70E740481C1C}">
+                <a14:useLocalDpi xmlns:a14="http://schemas.microsoft.com/office/drawing/2010/main" val="0"/>
+              </a:ext>
+            </a:extLst>
+          </a:blip>
+          <a:stretch>
+            <a:fillRect/>
+          </a:stretch>
+        </p:blipFill>
+        <p:spPr>
+          <a:xfrm>
+            <a:off x="6055461" y="1577444"/>
+            <a:ext cx="5948688" cy="4273061"/>
+          </a:xfrm>
+          <a:prstGeom prst="rect">
+            <a:avLst/>
+          </a:prstGeom>
+        </p:spPr>
+      </p:pic>
+      <p:pic>
+        <p:nvPicPr>
+          <p:cNvPr id="11" name="Рисунок 10"/>
+          <p:cNvPicPr>
+            <a:picLocks noChangeAspect="1"/>
+          </p:cNvPicPr>
+          <p:nvPr/>
+        </p:nvPicPr>
+        <p:blipFill>
+          <a:blip r:embed="rId5">
+            <a:extLst>
+              <a:ext uri="{28A0092B-C50C-407E-A947-70E740481C1C}">
+                <a14:useLocalDpi xmlns:a14="http://schemas.microsoft.com/office/drawing/2010/main" val="0"/>
+              </a:ext>
+            </a:extLst>
+          </a:blip>
+          <a:stretch>
+            <a:fillRect/>
+          </a:stretch>
+        </p:blipFill>
+        <p:spPr>
+          <a:xfrm>
+            <a:off x="6095997" y="1640461"/>
+            <a:ext cx="5853004" cy="4133805"/>
+          </a:xfrm>
+          <a:prstGeom prst="rect">
+            <a:avLst/>
+          </a:prstGeom>
+        </p:spPr>
+      </p:pic>
+    </p:spTree>
+    <p:extLst>
+      <p:ext uri="{BB962C8B-B14F-4D97-AF65-F5344CB8AC3E}">
+        <p14:creationId xmlns:p14="http://schemas.microsoft.com/office/powerpoint/2010/main" val="3573801604"/>
+      </p:ext>
+    </p:extLst>
+  </p:cSld>
+  <p:clrMapOvr>
+    <a:masterClrMapping/>
+  </p:clrMapOvr>
+  <mc:AlternateContent xmlns:mc="http://schemas.openxmlformats.org/markup-compatibility/2006" xmlns:p14="http://schemas.microsoft.com/office/powerpoint/2010/main">
+    <mc:Choice Requires="p14">
+      <p:transition spd="med" p14:dur="700">
+        <p:fade/>
+      </p:transition>
+    </mc:Choice>
+    <mc:Fallback xmlns="">
+      <p:transition spd="med">
+        <p:fade/>
+      </p:transition>
+    </mc:Fallback>
+  </mc:AlternateContent>
+  <p:timing>
+    <p:tnLst>
+      <p:par>
+        <p:cTn id="1" dur="indefinite" restart="never" nodeType="tmRoot">
+          <p:childTnLst>
+            <p:seq concurrent="1" nextAc="seek">
+              <p:cTn id="2" dur="indefinite" nodeType="mainSeq">
+                <p:childTnLst>
+                  <p:par>
+                    <p:cTn id="3" fill="hold">
+                      <p:stCondLst>
+                        <p:cond delay="indefinite"/>
+                        <p:cond evt="onBegin" delay="0">
+                          <p:tn val="2"/>
+                        </p:cond>
+                      </p:stCondLst>
+                      <p:childTnLst>
+                        <p:par>
+                          <p:cTn id="4" fill="hold">
+                            <p:stCondLst>
+                              <p:cond delay="0"/>
+                            </p:stCondLst>
+                            <p:childTnLst>
+                              <p:par>
+                                <p:cTn id="5" presetID="42" presetClass="path" presetSubtype="0" accel="50000" decel="50000" fill="hold" nodeType="afterEffect">
+                                  <p:stCondLst>
+                                    <p:cond delay="0"/>
+                                  </p:stCondLst>
+                                  <p:childTnLst>
+                                    <p:animMotion origin="layout" path="M 3.95833E-6 1.11111E-6 L 0.13932 -0.01482 " pathEditMode="relative" rAng="0" ptsTypes="AA">
+                                      <p:cBhvr>
+                                        <p:cTn id="6" dur="500" fill="hold"/>
+                                        <p:tgtEl>
+                                          <p:spTgt spid="2"/>
+                                        </p:tgtEl>
+                                        <p:attrNameLst>
+                                          <p:attrName>ppt_x</p:attrName>
+                                          <p:attrName>ppt_y</p:attrName>
+                                        </p:attrNameLst>
+                                      </p:cBhvr>
+                                      <p:rCtr x="6966" y="-741"/>
+                                    </p:animMotion>
+                                  </p:childTnLst>
+                                </p:cTn>
+                              </p:par>
+                            </p:childTnLst>
+                          </p:cTn>
+                        </p:par>
+                      </p:childTnLst>
+                    </p:cTn>
+                  </p:par>
+                  <p:par>
+                    <p:cTn id="7" fill="hold">
+                      <p:stCondLst>
+                        <p:cond delay="indefinite"/>
+                      </p:stCondLst>
+                      <p:childTnLst>
+                        <p:par>
+                          <p:cTn id="8" fill="hold">
+                            <p:stCondLst>
+                              <p:cond delay="0"/>
+                            </p:stCondLst>
+                            <p:childTnLst>
+                              <p:par>
+                                <p:cTn id="9" presetID="10" presetClass="entr" presetSubtype="0" fill="hold" nodeType="clickEffect">
+                                  <p:stCondLst>
+                                    <p:cond delay="0"/>
+                                  </p:stCondLst>
+                                  <p:childTnLst>
+                                    <p:set>
+                                      <p:cBhvr>
+                                        <p:cTn id="10" dur="1" fill="hold">
+                                          <p:stCondLst>
+                                            <p:cond delay="0"/>
+                                          </p:stCondLst>
+                                        </p:cTn>
+                                        <p:tgtEl>
+                                          <p:spTgt spid="6">
+                                            <p:txEl>
+                                              <p:pRg st="0" end="0"/>
+                                            </p:txEl>
+                                          </p:spTgt>
+                                        </p:tgtEl>
+                                        <p:attrNameLst>
+                                          <p:attrName>style.visibility</p:attrName>
+                                        </p:attrNameLst>
+                                      </p:cBhvr>
+                                      <p:to>
+                                        <p:strVal val="visible"/>
+                                      </p:to>
+                                    </p:set>
+                                    <p:animEffect transition="in" filter="fade">
+                                      <p:cBhvr>
+                                        <p:cTn id="11" dur="500"/>
+                                        <p:tgtEl>
+                                          <p:spTgt spid="6">
+                                            <p:txEl>
+                                              <p:pRg st="0" end="0"/>
+                                            </p:txEl>
+                                          </p:spTgt>
+                                        </p:tgtEl>
+                                      </p:cBhvr>
+                                    </p:animEffect>
+                                  </p:childTnLst>
+                                </p:cTn>
+                              </p:par>
+                            </p:childTnLst>
+                          </p:cTn>
+                        </p:par>
+                      </p:childTnLst>
+                    </p:cTn>
+                  </p:par>
+                  <p:par>
+                    <p:cTn id="12" fill="hold">
+                      <p:stCondLst>
+                        <p:cond delay="indefinite"/>
+                      </p:stCondLst>
+                      <p:childTnLst>
+                        <p:par>
+                          <p:cTn id="13" fill="hold">
+                            <p:stCondLst>
+                              <p:cond delay="0"/>
+                            </p:stCondLst>
+                            <p:childTnLst>
+                              <p:par>
+                                <p:cTn id="14" presetID="10" presetClass="entr" presetSubtype="0" fill="hold" nodeType="clickEffect">
+                                  <p:stCondLst>
+                                    <p:cond delay="0"/>
+                                  </p:stCondLst>
+                                  <p:childTnLst>
+                                    <p:set>
+                                      <p:cBhvr>
+                                        <p:cTn id="15" dur="1" fill="hold">
+                                          <p:stCondLst>
+                                            <p:cond delay="0"/>
+                                          </p:stCondLst>
+                                        </p:cTn>
+                                        <p:tgtEl>
+                                          <p:spTgt spid="7">
+                                            <p:txEl>
+                                              <p:pRg st="0" end="0"/>
+                                            </p:txEl>
+                                          </p:spTgt>
+                                        </p:tgtEl>
+                                        <p:attrNameLst>
+                                          <p:attrName>style.visibility</p:attrName>
+                                        </p:attrNameLst>
+                                      </p:cBhvr>
+                                      <p:to>
+                                        <p:strVal val="visible"/>
+                                      </p:to>
+                                    </p:set>
+                                    <p:animEffect transition="in" filter="fade">
+                                      <p:cBhvr>
+                                        <p:cTn id="16" dur="500"/>
+                                        <p:tgtEl>
+                                          <p:spTgt spid="7">
+                                            <p:txEl>
+                                              <p:pRg st="0" end="0"/>
+                                            </p:txEl>
+                                          </p:spTgt>
+                                        </p:tgtEl>
+                                      </p:cBhvr>
+                                    </p:animEffect>
+                                  </p:childTnLst>
+                                </p:cTn>
+                              </p:par>
+                              <p:par>
+                                <p:cTn id="17" presetID="10" presetClass="entr" presetSubtype="0" fill="hold" nodeType="withEffect">
+                                  <p:stCondLst>
+                                    <p:cond delay="0"/>
+                                  </p:stCondLst>
+                                  <p:childTnLst>
+                                    <p:set>
+                                      <p:cBhvr>
+                                        <p:cTn id="18" dur="1" fill="hold">
+                                          <p:stCondLst>
+                                            <p:cond delay="0"/>
+                                          </p:stCondLst>
+                                        </p:cTn>
+                                        <p:tgtEl>
+                                          <p:spTgt spid="8"/>
+                                        </p:tgtEl>
+                                        <p:attrNameLst>
+                                          <p:attrName>style.visibility</p:attrName>
+                                        </p:attrNameLst>
+                                      </p:cBhvr>
+                                      <p:to>
+                                        <p:strVal val="visible"/>
+                                      </p:to>
+                                    </p:set>
+                                    <p:animEffect transition="in" filter="fade">
+                                      <p:cBhvr>
+                                        <p:cTn id="19" dur="500"/>
+                                        <p:tgtEl>
+                                          <p:spTgt spid="8"/>
+                                        </p:tgtEl>
+                                      </p:cBhvr>
+                                    </p:animEffect>
+                                  </p:childTnLst>
+                                </p:cTn>
+                              </p:par>
+                            </p:childTnLst>
+                          </p:cTn>
+                        </p:par>
+                      </p:childTnLst>
+                    </p:cTn>
+                  </p:par>
+                  <p:par>
+                    <p:cTn id="20" fill="hold">
+                      <p:stCondLst>
+                        <p:cond delay="indefinite"/>
+                      </p:stCondLst>
+                      <p:childTnLst>
+                        <p:par>
+                          <p:cTn id="21" fill="hold">
+                            <p:stCondLst>
+                              <p:cond delay="0"/>
+                            </p:stCondLst>
+                            <p:childTnLst>
+                              <p:par>
+                                <p:cTn id="22" presetID="42" presetClass="path" presetSubtype="0" accel="50000" decel="50000" fill="hold" nodeType="clickEffect">
+                                  <p:stCondLst>
+                                    <p:cond delay="0"/>
+                                  </p:stCondLst>
+                                  <p:childTnLst>
+                                    <p:animMotion origin="layout" path="M 0.13932 -0.01482 L 1.1289 -0.00509 " pathEditMode="relative" rAng="0" ptsTypes="AA">
+                                      <p:cBhvr>
+                                        <p:cTn id="23" dur="900" fill="hold"/>
+                                        <p:tgtEl>
+                                          <p:spTgt spid="2"/>
+                                        </p:tgtEl>
+                                        <p:attrNameLst>
+                                          <p:attrName>ppt_x</p:attrName>
+                                          <p:attrName>ppt_y</p:attrName>
+                                        </p:attrNameLst>
+                                      </p:cBhvr>
+                                      <p:rCtr x="49479" y="486"/>
+                                    </p:animMotion>
+                                  </p:childTnLst>
+                                </p:cTn>
+                              </p:par>
+                            </p:childTnLst>
+                          </p:cTn>
+                        </p:par>
+                        <p:par>
+                          <p:cTn id="24" fill="hold">
+                            <p:stCondLst>
+                              <p:cond delay="900"/>
+                            </p:stCondLst>
+                            <p:childTnLst>
+                              <p:par>
+                                <p:cTn id="25" presetID="10" presetClass="entr" presetSubtype="0" fill="hold" nodeType="afterEffect">
+                                  <p:stCondLst>
+                                    <p:cond delay="0"/>
+                                  </p:stCondLst>
+                                  <p:childTnLst>
+                                    <p:set>
+                                      <p:cBhvr>
+                                        <p:cTn id="26" dur="1" fill="hold">
+                                          <p:stCondLst>
+                                            <p:cond delay="0"/>
+                                          </p:stCondLst>
+                                        </p:cTn>
+                                        <p:tgtEl>
+                                          <p:spTgt spid="7">
+                                            <p:txEl>
+                                              <p:pRg st="1" end="1"/>
+                                            </p:txEl>
+                                          </p:spTgt>
+                                        </p:tgtEl>
+                                        <p:attrNameLst>
+                                          <p:attrName>style.visibility</p:attrName>
+                                        </p:attrNameLst>
+                                      </p:cBhvr>
+                                      <p:to>
+                                        <p:strVal val="visible"/>
+                                      </p:to>
+                                    </p:set>
+                                    <p:animEffect transition="in" filter="fade">
+                                      <p:cBhvr>
+                                        <p:cTn id="27" dur="500"/>
+                                        <p:tgtEl>
+                                          <p:spTgt spid="7">
+                                            <p:txEl>
+                                              <p:pRg st="1" end="1"/>
+                                            </p:txEl>
+                                          </p:spTgt>
+                                        </p:tgtEl>
+                                      </p:cBhvr>
+                                    </p:animEffect>
+                                  </p:childTnLst>
+                                </p:cTn>
+                              </p:par>
+                              <p:par>
+                                <p:cTn id="28" presetID="42" presetClass="path" presetSubtype="0" accel="50000" decel="50000" fill="hold" nodeType="withEffect">
+                                  <p:stCondLst>
+                                    <p:cond delay="0"/>
+                                  </p:stCondLst>
+                                  <p:childTnLst>
+                                    <p:animMotion origin="layout" path="M -2.29167E-6 -2.96296E-6 L 0.00899 0.19375 " pathEditMode="relative" rAng="0" ptsTypes="AA">
+                                      <p:cBhvr>
+                                        <p:cTn id="29" dur="500" fill="hold"/>
+                                        <p:tgtEl>
+                                          <p:spTgt spid="9"/>
+                                        </p:tgtEl>
+                                        <p:attrNameLst>
+                                          <p:attrName>ppt_x</p:attrName>
+                                          <p:attrName>ppt_y</p:attrName>
+                                        </p:attrNameLst>
+                                      </p:cBhvr>
+                                      <p:rCtr x="443" y="9699"/>
+                                    </p:animMotion>
+                                  </p:childTnLst>
+                                </p:cTn>
+                              </p:par>
+                              <p:par>
+                                <p:cTn id="30" presetID="10" presetClass="entr" presetSubtype="0" fill="hold" nodeType="withEffect">
+                                  <p:stCondLst>
+                                    <p:cond delay="0"/>
+                                  </p:stCondLst>
+                                  <p:childTnLst>
+                                    <p:set>
+                                      <p:cBhvr>
+                                        <p:cTn id="31" dur="1" fill="hold">
+                                          <p:stCondLst>
+                                            <p:cond delay="0"/>
+                                          </p:stCondLst>
+                                        </p:cTn>
+                                        <p:tgtEl>
+                                          <p:spTgt spid="10"/>
+                                        </p:tgtEl>
+                                        <p:attrNameLst>
+                                          <p:attrName>style.visibility</p:attrName>
+                                        </p:attrNameLst>
+                                      </p:cBhvr>
+                                      <p:to>
+                                        <p:strVal val="visible"/>
+                                      </p:to>
+                                    </p:set>
+                                    <p:animEffect transition="in" filter="fade">
+                                      <p:cBhvr>
+                                        <p:cTn id="32" dur="500"/>
+                                        <p:tgtEl>
+                                          <p:spTgt spid="10"/>
+                                        </p:tgtEl>
+                                      </p:cBhvr>
+                                    </p:animEffect>
+                                  </p:childTnLst>
+                                </p:cTn>
+                              </p:par>
+                            </p:childTnLst>
+                          </p:cTn>
+                        </p:par>
+                      </p:childTnLst>
+                    </p:cTn>
+                  </p:par>
+                  <p:par>
+                    <p:cTn id="33" fill="hold">
+                      <p:stCondLst>
+                        <p:cond delay="indefinite"/>
+                      </p:stCondLst>
+                      <p:childTnLst>
+                        <p:par>
+                          <p:cTn id="34" fill="hold">
+                            <p:stCondLst>
+                              <p:cond delay="0"/>
+                            </p:stCondLst>
+                            <p:childTnLst>
+                              <p:par>
+                                <p:cTn id="35" presetID="10" presetClass="entr" presetSubtype="0" fill="hold" nodeType="clickEffect">
+                                  <p:stCondLst>
+                                    <p:cond delay="0"/>
+                                  </p:stCondLst>
+                                  <p:childTnLst>
+                                    <p:set>
+                                      <p:cBhvr>
+                                        <p:cTn id="36" dur="1" fill="hold">
+                                          <p:stCondLst>
+                                            <p:cond delay="0"/>
+                                          </p:stCondLst>
+                                        </p:cTn>
+                                        <p:tgtEl>
+                                          <p:spTgt spid="7">
+                                            <p:txEl>
+                                              <p:pRg st="2" end="2"/>
+                                            </p:txEl>
+                                          </p:spTgt>
+                                        </p:tgtEl>
+                                        <p:attrNameLst>
+                                          <p:attrName>style.visibility</p:attrName>
+                                        </p:attrNameLst>
+                                      </p:cBhvr>
+                                      <p:to>
+                                        <p:strVal val="visible"/>
+                                      </p:to>
+                                    </p:set>
+                                    <p:animEffect transition="in" filter="fade">
+                                      <p:cBhvr>
+                                        <p:cTn id="37" dur="500"/>
+                                        <p:tgtEl>
+                                          <p:spTgt spid="7">
+                                            <p:txEl>
+                                              <p:pRg st="2" end="2"/>
+                                            </p:txEl>
+                                          </p:spTgt>
+                                        </p:tgtEl>
+                                      </p:cBhvr>
+                                    </p:animEffect>
+                                  </p:childTnLst>
+                                </p:cTn>
+                              </p:par>
+                              <p:par>
+                                <p:cTn id="38" presetID="10" presetClass="entr" presetSubtype="0" fill="hold" nodeType="withEffect">
+                                  <p:stCondLst>
+                                    <p:cond delay="0"/>
+                                  </p:stCondLst>
+                                  <p:childTnLst>
+                                    <p:set>
+                                      <p:cBhvr>
+                                        <p:cTn id="39" dur="1" fill="hold">
+                                          <p:stCondLst>
+                                            <p:cond delay="0"/>
+                                          </p:stCondLst>
+                                        </p:cTn>
+                                        <p:tgtEl>
+                                          <p:spTgt spid="11"/>
+                                        </p:tgtEl>
+                                        <p:attrNameLst>
+                                          <p:attrName>style.visibility</p:attrName>
+                                        </p:attrNameLst>
+                                      </p:cBhvr>
+                                      <p:to>
+                                        <p:strVal val="visible"/>
+                                      </p:to>
+                                    </p:set>
+                                    <p:animEffect transition="in" filter="fade">
+                                      <p:cBhvr>
+                                        <p:cTn id="40" dur="500"/>
+                                        <p:tgtEl>
+                                          <p:spTgt spid="11"/>
+                                        </p:tgtEl>
+                                      </p:cBhvr>
+                                    </p:animEffect>
+                                  </p:childTnLst>
+                                </p:cTn>
+                              </p:par>
+                            </p:childTnLst>
+                          </p:cTn>
+                        </p:par>
+                      </p:childTnLst>
+                    </p:cTn>
+                  </p:par>
+                  <p:par>
+                    <p:cTn id="41" fill="hold">
+                      <p:stCondLst>
+                        <p:cond delay="indefinite"/>
+                      </p:stCondLst>
+                      <p:childTnLst>
+                        <p:par>
+                          <p:cTn id="42" fill="hold">
+                            <p:stCondLst>
+                              <p:cond delay="0"/>
+                            </p:stCondLst>
+                            <p:childTnLst>
+                              <p:par>
+                                <p:cTn id="43" presetID="42" presetClass="path" presetSubtype="0" accel="50000" decel="50000" fill="hold" nodeType="clickEffect">
+                                  <p:stCondLst>
+                                    <p:cond delay="0"/>
+                                  </p:stCondLst>
+                                  <p:childTnLst>
+                                    <p:animMotion origin="layout" path="M 0.00899 0.19375 L 1.47451E-16 4.07407E-6 " pathEditMode="relative" rAng="0" ptsTypes="AA">
+                                      <p:cBhvr>
+                                        <p:cTn id="44" dur="500" fill="hold"/>
+                                        <p:tgtEl>
+                                          <p:spTgt spid="9"/>
+                                        </p:tgtEl>
+                                        <p:attrNameLst>
+                                          <p:attrName>ppt_x</p:attrName>
+                                          <p:attrName>ppt_y</p:attrName>
+                                        </p:attrNameLst>
+                                      </p:cBhvr>
+                                      <p:rCtr x="104" y="-9977"/>
+                                    </p:animMotion>
                                   </p:childTnLst>
                                 </p:cTn>
                               </p:par>
